--- a/LLMs.pptx
+++ b/LLMs.pptx
@@ -320,6 +320,201 @@
 </p:presentation>
 </file>
 
+<file path=ppt/revisionInfo.xml><?xml version="1.0" encoding="utf-8"?>
+<p1510:revInfo xmlns:a="http://schemas.openxmlformats.org/drawingml/2006/main" xmlns:r="http://schemas.openxmlformats.org/officeDocument/2006/relationships" xmlns:p1510="http://schemas.microsoft.com/office/powerpoint/2015/10/main">
+  <p1510:revLst>
+    <p1510:client id="{082DD48E-51AD-4383-84D7-996D5F25CFBF}" v="17" dt="2024-03-29T17:21:56.281"/>
+  </p1510:revLst>
+</p1510:revInfo>
+</file>
+
+<file path=ppt/changesInfos/changesInfo1.xml><?xml version="1.0" encoding="utf-8"?>
+<pc:chgInfo xmlns:a="http://schemas.openxmlformats.org/drawingml/2006/main" xmlns:r="http://schemas.openxmlformats.org/officeDocument/2006/relationships" xmlns:ac="http://schemas.microsoft.com/office/drawing/2013/main/command" xmlns:pc="http://schemas.microsoft.com/office/powerpoint/2013/main/command">
+  <pc:docChgLst>
+    <pc:chgData name="Solomon Family" userId="f6d1957426b05a1a" providerId="LiveId" clId="{082DD48E-51AD-4383-84D7-996D5F25CFBF}"/>
+    <pc:docChg chg="modSld">
+      <pc:chgData name="Solomon Family" userId="f6d1957426b05a1a" providerId="LiveId" clId="{082DD48E-51AD-4383-84D7-996D5F25CFBF}" dt="2024-03-29T17:03:08.564" v="541" actId="478"/>
+      <pc:docMkLst>
+        <pc:docMk/>
+      </pc:docMkLst>
+      <pc:sldChg chg="delSp modSp mod">
+        <pc:chgData name="Solomon Family" userId="f6d1957426b05a1a" providerId="LiveId" clId="{082DD48E-51AD-4383-84D7-996D5F25CFBF}" dt="2024-03-29T17:02:36.314" v="332" actId="478"/>
+        <pc:sldMkLst>
+          <pc:docMk/>
+          <pc:sldMk cId="0" sldId="256"/>
+        </pc:sldMkLst>
+        <pc:spChg chg="mod">
+          <ac:chgData name="Solomon Family" userId="f6d1957426b05a1a" providerId="LiveId" clId="{082DD48E-51AD-4383-84D7-996D5F25CFBF}" dt="2024-03-29T17:02:29.195" v="329" actId="6549"/>
+          <ac:spMkLst>
+            <pc:docMk/>
+            <pc:sldMk cId="0" sldId="256"/>
+            <ac:spMk id="237" creationId="{00000000-0000-0000-0000-000000000000}"/>
+          </ac:spMkLst>
+        </pc:spChg>
+        <pc:picChg chg="del">
+          <ac:chgData name="Solomon Family" userId="f6d1957426b05a1a" providerId="LiveId" clId="{082DD48E-51AD-4383-84D7-996D5F25CFBF}" dt="2024-03-29T17:02:35.210" v="331" actId="478"/>
+          <ac:picMkLst>
+            <pc:docMk/>
+            <pc:sldMk cId="0" sldId="256"/>
+            <ac:picMk id="23" creationId="{2D835262-6B90-114D-4749-100D545C20BB}"/>
+          </ac:picMkLst>
+        </pc:picChg>
+        <pc:picChg chg="del">
+          <ac:chgData name="Solomon Family" userId="f6d1957426b05a1a" providerId="LiveId" clId="{082DD48E-51AD-4383-84D7-996D5F25CFBF}" dt="2024-03-29T17:02:33.574" v="330" actId="478"/>
+          <ac:picMkLst>
+            <pc:docMk/>
+            <pc:sldMk cId="0" sldId="256"/>
+            <ac:picMk id="24" creationId="{B93AAFCF-1F74-4D29-500C-1BBCA1E23B66}"/>
+          </ac:picMkLst>
+        </pc:picChg>
+        <pc:picChg chg="del">
+          <ac:chgData name="Solomon Family" userId="f6d1957426b05a1a" providerId="LiveId" clId="{082DD48E-51AD-4383-84D7-996D5F25CFBF}" dt="2024-03-29T17:02:36.314" v="332" actId="478"/>
+          <ac:picMkLst>
+            <pc:docMk/>
+            <pc:sldMk cId="0" sldId="256"/>
+            <ac:picMk id="72" creationId="{D77FDE96-DF43-9C50-FDAE-E09C1ED3827B}"/>
+          </ac:picMkLst>
+        </pc:picChg>
+        <pc:picChg chg="del">
+          <ac:chgData name="Solomon Family" userId="f6d1957426b05a1a" providerId="LiveId" clId="{082DD48E-51AD-4383-84D7-996D5F25CFBF}" dt="2024-03-29T17:01:49.186" v="120" actId="478"/>
+          <ac:picMkLst>
+            <pc:docMk/>
+            <pc:sldMk cId="0" sldId="256"/>
+            <ac:picMk id="1034" creationId="{BCF8C968-BCE9-8D04-E7B8-19299B476D53}"/>
+          </ac:picMkLst>
+        </pc:picChg>
+        <pc:picChg chg="del">
+          <ac:chgData name="Solomon Family" userId="f6d1957426b05a1a" providerId="LiveId" clId="{082DD48E-51AD-4383-84D7-996D5F25CFBF}" dt="2024-03-29T17:01:50.365" v="121" actId="478"/>
+          <ac:picMkLst>
+            <pc:docMk/>
+            <pc:sldMk cId="0" sldId="256"/>
+            <ac:picMk id="1036" creationId="{97C0FB8A-47C5-3CEB-7308-5BB941363C80}"/>
+          </ac:picMkLst>
+        </pc:picChg>
+      </pc:sldChg>
+      <pc:sldChg chg="delSp modSp mod">
+        <pc:chgData name="Solomon Family" userId="f6d1957426b05a1a" providerId="LiveId" clId="{082DD48E-51AD-4383-84D7-996D5F25CFBF}" dt="2024-03-29T17:02:48.429" v="334" actId="478"/>
+        <pc:sldMkLst>
+          <pc:docMk/>
+          <pc:sldMk cId="3583388227" sldId="259"/>
+        </pc:sldMkLst>
+        <pc:spChg chg="mod">
+          <ac:chgData name="Solomon Family" userId="f6d1957426b05a1a" providerId="LiveId" clId="{082DD48E-51AD-4383-84D7-996D5F25CFBF}" dt="2024-03-29T17:01:26.425" v="118" actId="6549"/>
+          <ac:spMkLst>
+            <pc:docMk/>
+            <pc:sldMk cId="3583388227" sldId="259"/>
+            <ac:spMk id="237" creationId="{00000000-0000-0000-0000-000000000000}"/>
+          </ac:spMkLst>
+        </pc:spChg>
+        <pc:picChg chg="del">
+          <ac:chgData name="Solomon Family" userId="f6d1957426b05a1a" providerId="LiveId" clId="{082DD48E-51AD-4383-84D7-996D5F25CFBF}" dt="2024-03-29T17:01:33.457" v="119" actId="478"/>
+          <ac:picMkLst>
+            <pc:docMk/>
+            <pc:sldMk cId="3583388227" sldId="259"/>
+            <ac:picMk id="10" creationId="{004551C8-F89C-27D9-72C1-C5CE97811783}"/>
+          </ac:picMkLst>
+        </pc:picChg>
+        <pc:picChg chg="del">
+          <ac:chgData name="Solomon Family" userId="f6d1957426b05a1a" providerId="LiveId" clId="{082DD48E-51AD-4383-84D7-996D5F25CFBF}" dt="2024-03-29T16:50:38.755" v="1" actId="478"/>
+          <ac:picMkLst>
+            <pc:docMk/>
+            <pc:sldMk cId="3583388227" sldId="259"/>
+            <ac:picMk id="23" creationId="{2D835262-6B90-114D-4749-100D545C20BB}"/>
+          </ac:picMkLst>
+        </pc:picChg>
+        <pc:picChg chg="del">
+          <ac:chgData name="Solomon Family" userId="f6d1957426b05a1a" providerId="LiveId" clId="{082DD48E-51AD-4383-84D7-996D5F25CFBF}" dt="2024-03-29T16:50:38.755" v="1" actId="478"/>
+          <ac:picMkLst>
+            <pc:docMk/>
+            <pc:sldMk cId="3583388227" sldId="259"/>
+            <ac:picMk id="24" creationId="{B93AAFCF-1F74-4D29-500C-1BBCA1E23B66}"/>
+          </ac:picMkLst>
+        </pc:picChg>
+        <pc:picChg chg="del">
+          <ac:chgData name="Solomon Family" userId="f6d1957426b05a1a" providerId="LiveId" clId="{082DD48E-51AD-4383-84D7-996D5F25CFBF}" dt="2024-03-29T16:50:38.755" v="1" actId="478"/>
+          <ac:picMkLst>
+            <pc:docMk/>
+            <pc:sldMk cId="3583388227" sldId="259"/>
+            <ac:picMk id="29" creationId="{09C6AB13-1E84-5776-7CB6-41B1AE2D299C}"/>
+          </ac:picMkLst>
+        </pc:picChg>
+        <pc:picChg chg="del">
+          <ac:chgData name="Solomon Family" userId="f6d1957426b05a1a" providerId="LiveId" clId="{082DD48E-51AD-4383-84D7-996D5F25CFBF}" dt="2024-03-29T17:02:47.458" v="333" actId="478"/>
+          <ac:picMkLst>
+            <pc:docMk/>
+            <pc:sldMk cId="3583388227" sldId="259"/>
+            <ac:picMk id="1034" creationId="{BCF8C968-BCE9-8D04-E7B8-19299B476D53}"/>
+          </ac:picMkLst>
+        </pc:picChg>
+        <pc:picChg chg="del">
+          <ac:chgData name="Solomon Family" userId="f6d1957426b05a1a" providerId="LiveId" clId="{082DD48E-51AD-4383-84D7-996D5F25CFBF}" dt="2024-03-29T17:02:48.429" v="334" actId="478"/>
+          <ac:picMkLst>
+            <pc:docMk/>
+            <pc:sldMk cId="3583388227" sldId="259"/>
+            <ac:picMk id="1036" creationId="{97C0FB8A-47C5-3CEB-7308-5BB941363C80}"/>
+          </ac:picMkLst>
+        </pc:picChg>
+      </pc:sldChg>
+      <pc:sldChg chg="delSp modSp mod">
+        <pc:chgData name="Solomon Family" userId="f6d1957426b05a1a" providerId="LiveId" clId="{082DD48E-51AD-4383-84D7-996D5F25CFBF}" dt="2024-03-29T17:03:08.564" v="541" actId="478"/>
+        <pc:sldMkLst>
+          <pc:docMk/>
+          <pc:sldMk cId="2768512142" sldId="261"/>
+        </pc:sldMkLst>
+        <pc:spChg chg="mod">
+          <ac:chgData name="Solomon Family" userId="f6d1957426b05a1a" providerId="LiveId" clId="{082DD48E-51AD-4383-84D7-996D5F25CFBF}" dt="2024-03-29T17:03:04.598" v="538" actId="6549"/>
+          <ac:spMkLst>
+            <pc:docMk/>
+            <pc:sldMk cId="2768512142" sldId="261"/>
+            <ac:spMk id="237" creationId="{00000000-0000-0000-0000-000000000000}"/>
+          </ac:spMkLst>
+        </pc:spChg>
+        <pc:picChg chg="del">
+          <ac:chgData name="Solomon Family" userId="f6d1957426b05a1a" providerId="LiveId" clId="{082DD48E-51AD-4383-84D7-996D5F25CFBF}" dt="2024-03-29T17:03:07.487" v="540" actId="478"/>
+          <ac:picMkLst>
+            <pc:docMk/>
+            <pc:sldMk cId="2768512142" sldId="261"/>
+            <ac:picMk id="23" creationId="{2D835262-6B90-114D-4749-100D545C20BB}"/>
+          </ac:picMkLst>
+        </pc:picChg>
+        <pc:picChg chg="del">
+          <ac:chgData name="Solomon Family" userId="f6d1957426b05a1a" providerId="LiveId" clId="{082DD48E-51AD-4383-84D7-996D5F25CFBF}" dt="2024-03-29T17:03:06.566" v="539" actId="478"/>
+          <ac:picMkLst>
+            <pc:docMk/>
+            <pc:sldMk cId="2768512142" sldId="261"/>
+            <ac:picMk id="24" creationId="{B93AAFCF-1F74-4D29-500C-1BBCA1E23B66}"/>
+          </ac:picMkLst>
+        </pc:picChg>
+        <pc:picChg chg="del">
+          <ac:chgData name="Solomon Family" userId="f6d1957426b05a1a" providerId="LiveId" clId="{082DD48E-51AD-4383-84D7-996D5F25CFBF}" dt="2024-03-29T17:03:08.564" v="541" actId="478"/>
+          <ac:picMkLst>
+            <pc:docMk/>
+            <pc:sldMk cId="2768512142" sldId="261"/>
+            <ac:picMk id="29" creationId="{09C6AB13-1E84-5776-7CB6-41B1AE2D299C}"/>
+          </ac:picMkLst>
+        </pc:picChg>
+        <pc:picChg chg="del">
+          <ac:chgData name="Solomon Family" userId="f6d1957426b05a1a" providerId="LiveId" clId="{082DD48E-51AD-4383-84D7-996D5F25CFBF}" dt="2024-03-29T17:02:52.188" v="335" actId="478"/>
+          <ac:picMkLst>
+            <pc:docMk/>
+            <pc:sldMk cId="2768512142" sldId="261"/>
+            <ac:picMk id="1034" creationId="{BCF8C968-BCE9-8D04-E7B8-19299B476D53}"/>
+          </ac:picMkLst>
+        </pc:picChg>
+        <pc:picChg chg="del">
+          <ac:chgData name="Solomon Family" userId="f6d1957426b05a1a" providerId="LiveId" clId="{082DD48E-51AD-4383-84D7-996D5F25CFBF}" dt="2024-03-29T17:02:53.556" v="336" actId="478"/>
+          <ac:picMkLst>
+            <pc:docMk/>
+            <pc:sldMk cId="2768512142" sldId="261"/>
+            <ac:picMk id="1036" creationId="{97C0FB8A-47C5-3CEB-7308-5BB941363C80}"/>
+          </ac:picMkLst>
+        </pc:picChg>
+      </pc:sldChg>
+    </pc:docChg>
+  </pc:docChgLst>
+</pc:chgInfo>
+</file>
+
 <file path=ppt/notesMasters/notesMaster1.xml><?xml version="1.0" encoding="utf-8"?>
 <p:notesMaster xmlns:a="http://schemas.openxmlformats.org/drawingml/2006/main" xmlns:r="http://schemas.openxmlformats.org/officeDocument/2006/relationships" xmlns:p="http://schemas.openxmlformats.org/presentationml/2006/main">
   <p:cSld>
@@ -867,7 +1062,7 @@
           <a:p>
             <a:fld id="{86CB4B4D-7CA3-9044-876B-883B54F8677D}" type="slidenum">
               <a:rPr/>
-              <a:t>‹N°›</a:t>
+              <a:t>‹#›</a:t>
             </a:fld>
             <a:endParaRPr dirty="0"/>
           </a:p>
@@ -1037,7 +1232,7 @@
           <a:p>
             <a:fld id="{86CB4B4D-7CA3-9044-876B-883B54F8677D}" type="slidenum">
               <a:rPr/>
-              <a:t>‹N°›</a:t>
+              <a:t>‹#›</a:t>
             </a:fld>
             <a:endParaRPr dirty="0"/>
           </a:p>
@@ -1119,7 +1314,7 @@
           <a:p>
             <a:fld id="{86CB4B4D-7CA3-9044-876B-883B54F8677D}" type="slidenum">
               <a:rPr/>
-              <a:t>‹N°›</a:t>
+              <a:t>‹#›</a:t>
             </a:fld>
             <a:endParaRPr dirty="0"/>
           </a:p>
@@ -1172,7 +1367,7 @@
           <a:p>
             <a:fld id="{86CB4B4D-7CA3-9044-876B-883B54F8677D}" type="slidenum">
               <a:rPr/>
-              <a:t>‹N°›</a:t>
+              <a:t>‹#›</a:t>
             </a:fld>
             <a:endParaRPr dirty="0"/>
           </a:p>
@@ -1386,7 +1581,7 @@
           <a:p>
             <a:fld id="{86CB4B4D-7CA3-9044-876B-883B54F8677D}" type="slidenum">
               <a:rPr/>
-              <a:t>‹N°›</a:t>
+              <a:t>‹#›</a:t>
             </a:fld>
             <a:endParaRPr dirty="0"/>
           </a:p>
@@ -1468,7 +1663,7 @@
           <a:p>
             <a:fld id="{86CB4B4D-7CA3-9044-876B-883B54F8677D}" type="slidenum">
               <a:rPr/>
-              <a:t>‹N°›</a:t>
+              <a:t>‹#›</a:t>
             </a:fld>
             <a:endParaRPr dirty="0"/>
           </a:p>
@@ -1687,7 +1882,7 @@
           <a:p>
             <a:fld id="{86CB4B4D-7CA3-9044-876B-883B54F8677D}" type="slidenum">
               <a:rPr/>
-              <a:t>‹N°›</a:t>
+              <a:t>‹#›</a:t>
             </a:fld>
             <a:endParaRPr dirty="0"/>
           </a:p>
@@ -1765,7 +1960,7 @@
           <a:p>
             <a:fld id="{86CB4B4D-7CA3-9044-876B-883B54F8677D}" type="slidenum">
               <a:rPr/>
-              <a:t>‹N°›</a:t>
+              <a:t>‹#›</a:t>
             </a:fld>
             <a:endParaRPr dirty="0"/>
           </a:p>
@@ -1892,7 +2087,7 @@
           <a:p>
             <a:fld id="{86CB4B4D-7CA3-9044-876B-883B54F8677D}" type="slidenum">
               <a:rPr/>
-              <a:t>‹N°›</a:t>
+              <a:t>‹#›</a:t>
             </a:fld>
             <a:endParaRPr dirty="0"/>
           </a:p>
@@ -2093,7 +2288,7 @@
           <a:p>
             <a:fld id="{86CB4B4D-7CA3-9044-876B-883B54F8677D}" type="slidenum">
               <a:rPr/>
-              <a:t>‹N°›</a:t>
+              <a:t>‹#›</a:t>
             </a:fld>
             <a:endParaRPr dirty="0"/>
           </a:p>
@@ -2199,7 +2394,7 @@
           <a:p>
             <a:fld id="{86CB4B4D-7CA3-9044-876B-883B54F8677D}" type="slidenum">
               <a:rPr/>
-              <a:t>‹N°›</a:t>
+              <a:t>‹#›</a:t>
             </a:fld>
             <a:endParaRPr dirty="0"/>
           </a:p>
@@ -2339,7 +2534,7 @@
           <a:p>
             <a:fld id="{86CB4B4D-7CA3-9044-876B-883B54F8677D}" type="slidenum">
               <a:rPr/>
-              <a:t>‹N°›</a:t>
+              <a:t>‹#›</a:t>
             </a:fld>
             <a:endParaRPr dirty="0"/>
           </a:p>
@@ -2402,7 +2597,7 @@
           </a:ln>
           <a:extLst>
             <a:ext uri="{C572A759-6A51-4108-AA02-DFA0A04FC94B}">
-              <ma14:wrappingTextBoxFlag xmlns="" xmlns:m="http://schemas.openxmlformats.org/officeDocument/2006/math" xmlns:a14="http://schemas.microsoft.com/office/drawing/2010/main" xmlns:ma14="http://schemas.microsoft.com/office/mac/drawingml/2011/main" val="1"/>
+              <ma14:wrappingTextBoxFlag xmlns:ma14="http://schemas.microsoft.com/office/mac/drawingml/2011/main" xmlns:a14="http://schemas.microsoft.com/office/drawing/2010/main" xmlns:m="http://schemas.openxmlformats.org/officeDocument/2006/math" xmlns="" val="1"/>
             </a:ext>
           </a:extLst>
         </p:spPr>
@@ -2441,7 +2636,7 @@
           </a:ln>
           <a:extLst>
             <a:ext uri="{C572A759-6A51-4108-AA02-DFA0A04FC94B}">
-              <ma14:wrappingTextBoxFlag xmlns="" xmlns:m="http://schemas.openxmlformats.org/officeDocument/2006/math" xmlns:a14="http://schemas.microsoft.com/office/drawing/2010/main" xmlns:ma14="http://schemas.microsoft.com/office/mac/drawingml/2011/main" val="1"/>
+              <ma14:wrappingTextBoxFlag xmlns:ma14="http://schemas.microsoft.com/office/mac/drawingml/2011/main" xmlns:a14="http://schemas.microsoft.com/office/drawing/2010/main" xmlns:m="http://schemas.openxmlformats.org/officeDocument/2006/math" xmlns="" val="1"/>
             </a:ext>
           </a:extLst>
         </p:spPr>
@@ -2526,7 +2721,7 @@
           <a:p>
             <a:fld id="{86CB4B4D-7CA3-9044-876B-883B54F8677D}" type="slidenum">
               <a:rPr/>
-              <a:t>‹N°›</a:t>
+              <a:t>‹#›</a:t>
             </a:fld>
             <a:endParaRPr dirty="0"/>
           </a:p>
@@ -4258,7 +4453,7 @@
           </a:ln>
           <a:extLst>
             <a:ext uri="{C572A759-6A51-4108-AA02-DFA0A04FC94B}">
-              <ma14:wrappingTextBoxFlag xmlns="" xmlns:m="http://schemas.openxmlformats.org/officeDocument/2006/math" xmlns:a14="http://schemas.microsoft.com/office/drawing/2010/main" xmlns:ma14="http://schemas.microsoft.com/office/mac/drawingml/2011/main" val="1"/>
+              <ma14:wrappingTextBoxFlag xmlns:ma14="http://schemas.microsoft.com/office/mac/drawingml/2011/main" xmlns:a14="http://schemas.microsoft.com/office/drawing/2010/main" xmlns:m="http://schemas.openxmlformats.org/officeDocument/2006/math" xmlns="" val="1"/>
             </a:ext>
           </a:extLst>
         </p:spPr>
@@ -4281,54 +4476,6 @@
                 </a:solidFill>
               </a:defRPr>
             </a:pPr>
-            <a:r>
-              <a:rPr lang="fr-FR" b="1" dirty="0"/>
-              <a:t>Ashish Patel </a:t>
-            </a:r>
-            <a:r>
-              <a:rPr lang="fr-FR" dirty="0"/>
-              <a:t>•  Principal Research  Scientist  • ashishpatel.ce.2011@gmail.com                             </a:t>
-            </a:r>
-            <a:r>
-              <a:rPr lang="fr-FR" b="1" dirty="0"/>
-              <a:t>Abonia Sojasingarayar</a:t>
-            </a:r>
-            <a:r>
-              <a:rPr b="1" dirty="0"/>
-              <a:t> </a:t>
-            </a:r>
-            <a:r>
-              <a:rPr dirty="0"/>
-              <a:t>• </a:t>
-            </a:r>
-            <a:r>
-              <a:rPr lang="fr-FR" dirty="0"/>
-              <a:t> Machine Learning  Scientist  • aboniaa@gmail.com</a:t>
-            </a:r>
-            <a:r>
-              <a:rPr dirty="0"/>
-              <a:t>  </a:t>
-            </a:r>
-            <a:r>
-              <a:rPr lang="fr-FR" dirty="0"/>
-              <a:t>         </a:t>
-            </a:r>
-            <a:r>
-              <a:rPr i="1" dirty="0"/>
-              <a:t>Updated:  202</a:t>
-            </a:r>
-            <a:r>
-              <a:rPr lang="fr-FR" i="1" dirty="0"/>
-              <a:t>3</a:t>
-            </a:r>
-            <a:r>
-              <a:rPr i="1" dirty="0"/>
-              <a:t>-0</a:t>
-            </a:r>
-            <a:r>
-              <a:rPr lang="fr-FR" i="1" dirty="0"/>
-              <a:t>2</a:t>
-            </a:r>
             <a:endParaRPr i="1" dirty="0"/>
           </a:p>
         </p:txBody>
@@ -4410,7 +4557,7 @@
           </a:ln>
           <a:extLst>
             <a:ext uri="{C572A759-6A51-4108-AA02-DFA0A04FC94B}">
-              <ma14:wrappingTextBoxFlag xmlns="" xmlns:m="http://schemas.openxmlformats.org/officeDocument/2006/math" xmlns:a14="http://schemas.microsoft.com/office/drawing/2010/main" xmlns:ma14="http://schemas.microsoft.com/office/mac/drawingml/2011/main" val="1"/>
+              <ma14:wrappingTextBoxFlag xmlns:ma14="http://schemas.microsoft.com/office/mac/drawingml/2011/main" xmlns:a14="http://schemas.microsoft.com/office/drawing/2010/main" xmlns:m="http://schemas.openxmlformats.org/officeDocument/2006/math" xmlns="" val="1"/>
             </a:ext>
           </a:extLst>
         </p:spPr>
@@ -4471,7 +4618,7 @@
           </a:ln>
           <a:extLst>
             <a:ext uri="{C572A759-6A51-4108-AA02-DFA0A04FC94B}">
-              <ma14:wrappingTextBoxFlag xmlns="" xmlns:m="http://schemas.openxmlformats.org/officeDocument/2006/math" xmlns:a14="http://schemas.microsoft.com/office/drawing/2010/main" xmlns:ma14="http://schemas.microsoft.com/office/mac/drawingml/2011/main" val="1"/>
+              <ma14:wrappingTextBoxFlag xmlns:ma14="http://schemas.microsoft.com/office/mac/drawingml/2011/main" xmlns:a14="http://schemas.microsoft.com/office/drawing/2010/main" xmlns:m="http://schemas.openxmlformats.org/officeDocument/2006/math" xmlns="" val="1"/>
             </a:ext>
           </a:extLst>
         </p:spPr>
@@ -4584,7 +4731,7 @@
           </a:ln>
           <a:extLst>
             <a:ext uri="{C572A759-6A51-4108-AA02-DFA0A04FC94B}">
-              <ma14:wrappingTextBoxFlag xmlns="" xmlns:m="http://schemas.openxmlformats.org/officeDocument/2006/math" xmlns:a14="http://schemas.microsoft.com/office/drawing/2010/main" xmlns:ma14="http://schemas.microsoft.com/office/mac/drawingml/2011/main" val="1"/>
+              <ma14:wrappingTextBoxFlag xmlns:ma14="http://schemas.microsoft.com/office/mac/drawingml/2011/main" xmlns:a14="http://schemas.microsoft.com/office/drawing/2010/main" xmlns:m="http://schemas.openxmlformats.org/officeDocument/2006/math" xmlns="" val="1"/>
             </a:ext>
           </a:extLst>
         </p:spPr>
@@ -4645,7 +4792,7 @@
           </a:ln>
           <a:extLst>
             <a:ext uri="{C572A759-6A51-4108-AA02-DFA0A04FC94B}">
-              <ma14:wrappingTextBoxFlag xmlns="" xmlns:m="http://schemas.openxmlformats.org/officeDocument/2006/math" xmlns:a14="http://schemas.microsoft.com/office/drawing/2010/main" xmlns:ma14="http://schemas.microsoft.com/office/mac/drawingml/2011/main" val="1"/>
+              <ma14:wrappingTextBoxFlag xmlns:ma14="http://schemas.microsoft.com/office/mac/drawingml/2011/main" xmlns:a14="http://schemas.microsoft.com/office/drawing/2010/main" xmlns:m="http://schemas.openxmlformats.org/officeDocument/2006/math" xmlns="" val="1"/>
             </a:ext>
           </a:extLst>
         </p:spPr>
@@ -4703,7 +4850,7 @@
           </a:ln>
           <a:extLst>
             <a:ext uri="{C572A759-6A51-4108-AA02-DFA0A04FC94B}">
-              <ma14:wrappingTextBoxFlag xmlns="" xmlns:m="http://schemas.openxmlformats.org/officeDocument/2006/math" xmlns:a14="http://schemas.microsoft.com/office/drawing/2010/main" xmlns:ma14="http://schemas.microsoft.com/office/mac/drawingml/2011/main" val="1"/>
+              <ma14:wrappingTextBoxFlag xmlns:ma14="http://schemas.microsoft.com/office/mac/drawingml/2011/main" xmlns:a14="http://schemas.microsoft.com/office/drawing/2010/main" xmlns:m="http://schemas.openxmlformats.org/officeDocument/2006/math" xmlns="" val="1"/>
             </a:ext>
           </a:extLst>
         </p:spPr>
@@ -4964,7 +5111,7 @@
           </a:ln>
           <a:extLst>
             <a:ext uri="{C572A759-6A51-4108-AA02-DFA0A04FC94B}">
-              <ma14:wrappingTextBoxFlag xmlns="" xmlns:m="http://schemas.openxmlformats.org/officeDocument/2006/math" xmlns:a14="http://schemas.microsoft.com/office/drawing/2010/main" xmlns:ma14="http://schemas.microsoft.com/office/mac/drawingml/2011/main" val="1"/>
+              <ma14:wrappingTextBoxFlag xmlns:ma14="http://schemas.microsoft.com/office/mac/drawingml/2011/main" xmlns:a14="http://schemas.microsoft.com/office/drawing/2010/main" xmlns:m="http://schemas.openxmlformats.org/officeDocument/2006/math" xmlns="" val="1"/>
             </a:ext>
           </a:extLst>
         </p:spPr>
@@ -5261,197 +5408,6 @@
           </a:p>
         </p:txBody>
       </p:sp>
-      <p:pic>
-        <p:nvPicPr>
-          <p:cNvPr id="1034" name="Picture 10" descr="Free Linkedin Logo SVG, PNG Icon, Symbol. Download Image.">
-            <a:hlinkClick r:id="rId8"/>
-            <a:extLst>
-              <a:ext uri="{FF2B5EF4-FFF2-40B4-BE49-F238E27FC236}">
-                <a16:creationId xmlns:a16="http://schemas.microsoft.com/office/drawing/2014/main" id="{BCF8C968-BCE9-8D04-E7B8-19299B476D53}"/>
-              </a:ext>
-            </a:extLst>
-          </p:cNvPr>
-          <p:cNvPicPr>
-            <a:picLocks noChangeAspect="1" noChangeArrowheads="1"/>
-          </p:cNvPicPr>
-          <p:nvPr/>
-        </p:nvPicPr>
-        <p:blipFill>
-          <a:blip r:embed="rId9">
-            <a:extLst>
-              <a:ext uri="{28A0092B-C50C-407E-A947-70E740481C1C}">
-                <a14:useLocalDpi xmlns:a14="http://schemas.microsoft.com/office/drawing/2010/main" val="0"/>
-              </a:ext>
-            </a:extLst>
-          </a:blip>
-          <a:srcRect/>
-          <a:stretch>
-            <a:fillRect/>
-          </a:stretch>
-        </p:blipFill>
-        <p:spPr bwMode="auto">
-          <a:xfrm>
-            <a:off x="4532177" y="10580287"/>
-            <a:ext cx="183817" cy="183817"/>
-          </a:xfrm>
-          <a:prstGeom prst="rect">
-            <a:avLst/>
-          </a:prstGeom>
-          <a:noFill/>
-          <a:extLst>
-            <a:ext uri="{909E8E84-426E-40DD-AFC4-6F175D3DCCD1}">
-              <a14:hiddenFill xmlns:a14="http://schemas.microsoft.com/office/drawing/2010/main">
-                <a:solidFill>
-                  <a:srgbClr val="FFFFFF"/>
-                </a:solidFill>
-              </a14:hiddenFill>
-            </a:ext>
-          </a:extLst>
-        </p:spPr>
-      </p:pic>
-      <p:pic>
-        <p:nvPicPr>
-          <p:cNvPr id="1036" name="Picture 12" descr="GitHub Logos and Usage · GitHub">
-            <a:hlinkClick r:id="rId10"/>
-            <a:extLst>
-              <a:ext uri="{FF2B5EF4-FFF2-40B4-BE49-F238E27FC236}">
-                <a16:creationId xmlns:a16="http://schemas.microsoft.com/office/drawing/2014/main" id="{97C0FB8A-47C5-3CEB-7308-5BB941363C80}"/>
-              </a:ext>
-            </a:extLst>
-          </p:cNvPr>
-          <p:cNvPicPr>
-            <a:picLocks noChangeAspect="1" noChangeArrowheads="1"/>
-          </p:cNvPicPr>
-          <p:nvPr/>
-        </p:nvPicPr>
-        <p:blipFill>
-          <a:blip r:embed="rId11">
-            <a:extLst>
-              <a:ext uri="{28A0092B-C50C-407E-A947-70E740481C1C}">
-                <a14:useLocalDpi xmlns:a14="http://schemas.microsoft.com/office/drawing/2010/main" val="0"/>
-              </a:ext>
-            </a:extLst>
-          </a:blip>
-          <a:srcRect/>
-          <a:stretch>
-            <a:fillRect/>
-          </a:stretch>
-        </p:blipFill>
-        <p:spPr bwMode="auto">
-          <a:xfrm>
-            <a:off x="4968529" y="10543581"/>
-            <a:ext cx="220358" cy="220358"/>
-          </a:xfrm>
-          <a:prstGeom prst="rect">
-            <a:avLst/>
-          </a:prstGeom>
-          <a:noFill/>
-          <a:extLst>
-            <a:ext uri="{909E8E84-426E-40DD-AFC4-6F175D3DCCD1}">
-              <a14:hiddenFill xmlns:a14="http://schemas.microsoft.com/office/drawing/2010/main">
-                <a:solidFill>
-                  <a:srgbClr val="FFFFFF"/>
-                </a:solidFill>
-              </a14:hiddenFill>
-            </a:ext>
-          </a:extLst>
-        </p:spPr>
-      </p:pic>
-      <p:pic>
-        <p:nvPicPr>
-          <p:cNvPr id="23" name="Picture 12" descr="GitHub Logos and Usage · GitHub">
-            <a:extLst>
-              <a:ext uri="{FF2B5EF4-FFF2-40B4-BE49-F238E27FC236}">
-                <a16:creationId xmlns:a16="http://schemas.microsoft.com/office/drawing/2014/main" id="{2D835262-6B90-114D-4749-100D545C20BB}"/>
-              </a:ext>
-            </a:extLst>
-          </p:cNvPr>
-          <p:cNvPicPr>
-            <a:picLocks noChangeAspect="1" noChangeArrowheads="1"/>
-          </p:cNvPicPr>
-          <p:nvPr/>
-        </p:nvPicPr>
-        <p:blipFill>
-          <a:blip r:embed="rId11">
-            <a:extLst>
-              <a:ext uri="{28A0092B-C50C-407E-A947-70E740481C1C}">
-                <a14:useLocalDpi xmlns:a14="http://schemas.microsoft.com/office/drawing/2010/main" val="0"/>
-              </a:ext>
-            </a:extLst>
-          </a:blip>
-          <a:srcRect/>
-          <a:stretch>
-            <a:fillRect/>
-          </a:stretch>
-        </p:blipFill>
-        <p:spPr bwMode="auto">
-          <a:xfrm>
-            <a:off x="9372917" y="10557767"/>
-            <a:ext cx="220358" cy="220358"/>
-          </a:xfrm>
-          <a:prstGeom prst="rect">
-            <a:avLst/>
-          </a:prstGeom>
-          <a:noFill/>
-          <a:extLst>
-            <a:ext uri="{909E8E84-426E-40DD-AFC4-6F175D3DCCD1}">
-              <a14:hiddenFill xmlns:a14="http://schemas.microsoft.com/office/drawing/2010/main">
-                <a:solidFill>
-                  <a:srgbClr val="FFFFFF"/>
-                </a:solidFill>
-              </a14:hiddenFill>
-            </a:ext>
-          </a:extLst>
-        </p:spPr>
-      </p:pic>
-      <p:pic>
-        <p:nvPicPr>
-          <p:cNvPr id="24" name="Picture 10" descr="Free Linkedin Logo SVG, PNG Icon, Symbol. Download Image.">
-            <a:hlinkClick r:id="rId8"/>
-            <a:extLst>
-              <a:ext uri="{FF2B5EF4-FFF2-40B4-BE49-F238E27FC236}">
-                <a16:creationId xmlns:a16="http://schemas.microsoft.com/office/drawing/2014/main" id="{B93AAFCF-1F74-4D29-500C-1BBCA1E23B66}"/>
-              </a:ext>
-            </a:extLst>
-          </p:cNvPr>
-          <p:cNvPicPr>
-            <a:picLocks noChangeAspect="1" noChangeArrowheads="1"/>
-          </p:cNvPicPr>
-          <p:nvPr/>
-        </p:nvPicPr>
-        <p:blipFill>
-          <a:blip r:embed="rId9">
-            <a:extLst>
-              <a:ext uri="{28A0092B-C50C-407E-A947-70E740481C1C}">
-                <a14:useLocalDpi xmlns:a14="http://schemas.microsoft.com/office/drawing/2010/main" val="0"/>
-              </a:ext>
-            </a:extLst>
-          </a:blip>
-          <a:srcRect/>
-          <a:stretch>
-            <a:fillRect/>
-          </a:stretch>
-        </p:blipFill>
-        <p:spPr bwMode="auto">
-          <a:xfrm>
-            <a:off x="8867846" y="10580287"/>
-            <a:ext cx="183817" cy="183817"/>
-          </a:xfrm>
-          <a:prstGeom prst="rect">
-            <a:avLst/>
-          </a:prstGeom>
-          <a:noFill/>
-          <a:extLst>
-            <a:ext uri="{909E8E84-426E-40DD-AFC4-6F175D3DCCD1}">
-              <a14:hiddenFill xmlns:a14="http://schemas.microsoft.com/office/drawing/2010/main">
-                <a:solidFill>
-                  <a:srgbClr val="FFFFFF"/>
-                </a:solidFill>
-              </a14:hiddenFill>
-            </a:ext>
-          </a:extLst>
-        </p:spPr>
-      </p:pic>
       <p:sp>
         <p:nvSpPr>
           <p:cNvPr id="25" name="Line">
@@ -5739,7 +5695,7 @@
           </a:ln>
           <a:extLst>
             <a:ext uri="{C572A759-6A51-4108-AA02-DFA0A04FC94B}">
-              <ma14:wrappingTextBoxFlag xmlns="" xmlns:m="http://schemas.openxmlformats.org/officeDocument/2006/math" xmlns:a14="http://schemas.microsoft.com/office/drawing/2010/main" xmlns:ma14="http://schemas.microsoft.com/office/mac/drawingml/2011/main" val="1"/>
+              <ma14:wrappingTextBoxFlag xmlns:ma14="http://schemas.microsoft.com/office/mac/drawingml/2011/main" xmlns:a14="http://schemas.microsoft.com/office/drawing/2010/main" xmlns:m="http://schemas.openxmlformats.org/officeDocument/2006/math" xmlns="" val="1"/>
             </a:ext>
           </a:extLst>
         </p:spPr>
@@ -5798,7 +5754,7 @@
           <p:nvPr/>
         </p:nvPicPr>
         <p:blipFill>
-          <a:blip r:embed="rId12">
+          <a:blip r:embed="rId8">
             <a:extLst>
               <a:ext uri="{28A0092B-C50C-407E-A947-70E740481C1C}">
                 <a14:useLocalDpi xmlns:a14="http://schemas.microsoft.com/office/drawing/2010/main" val="0"/>
@@ -5855,7 +5811,7 @@
           </a:ln>
           <a:extLst>
             <a:ext uri="{C572A759-6A51-4108-AA02-DFA0A04FC94B}">
-              <ma14:wrappingTextBoxFlag xmlns="" xmlns:m="http://schemas.openxmlformats.org/officeDocument/2006/math" xmlns:a14="http://schemas.microsoft.com/office/drawing/2010/main" xmlns:ma14="http://schemas.microsoft.com/office/mac/drawingml/2011/main" val="1"/>
+              <ma14:wrappingTextBoxFlag xmlns:ma14="http://schemas.microsoft.com/office/mac/drawingml/2011/main" xmlns:a14="http://schemas.microsoft.com/office/drawing/2010/main" xmlns:m="http://schemas.openxmlformats.org/officeDocument/2006/math" xmlns="" val="1"/>
             </a:ext>
           </a:extLst>
         </p:spPr>
@@ -6186,7 +6142,7 @@
           </a:ln>
           <a:extLst>
             <a:ext uri="{C572A759-6A51-4108-AA02-DFA0A04FC94B}">
-              <ma14:wrappingTextBoxFlag xmlns="" xmlns:m="http://schemas.openxmlformats.org/officeDocument/2006/math" xmlns:a14="http://schemas.microsoft.com/office/drawing/2010/main" xmlns:ma14="http://schemas.microsoft.com/office/mac/drawingml/2011/main" val="1"/>
+              <ma14:wrappingTextBoxFlag xmlns:ma14="http://schemas.microsoft.com/office/mac/drawingml/2011/main" xmlns:a14="http://schemas.microsoft.com/office/drawing/2010/main" xmlns:m="http://schemas.openxmlformats.org/officeDocument/2006/math" xmlns="" val="1"/>
             </a:ext>
           </a:extLst>
         </p:spPr>
@@ -6282,7 +6238,7 @@
           </a:ln>
           <a:extLst>
             <a:ext uri="{C572A759-6A51-4108-AA02-DFA0A04FC94B}">
-              <ma14:wrappingTextBoxFlag xmlns="" xmlns:m="http://schemas.openxmlformats.org/officeDocument/2006/math" xmlns:a14="http://schemas.microsoft.com/office/drawing/2010/main" xmlns:ma14="http://schemas.microsoft.com/office/mac/drawingml/2011/main" val="1"/>
+              <ma14:wrappingTextBoxFlag xmlns:ma14="http://schemas.microsoft.com/office/mac/drawingml/2011/main" xmlns:a14="http://schemas.microsoft.com/office/drawing/2010/main" xmlns:m="http://schemas.openxmlformats.org/officeDocument/2006/math" xmlns="" val="1"/>
             </a:ext>
           </a:extLst>
         </p:spPr>
@@ -6402,7 +6358,7 @@
           <p:nvPr/>
         </p:nvPicPr>
         <p:blipFill>
-          <a:blip r:embed="rId13">
+          <a:blip r:embed="rId9">
             <a:extLst>
               <a:ext uri="{28A0092B-C50C-407E-A947-70E740481C1C}">
                 <a14:useLocalDpi xmlns:a14="http://schemas.microsoft.com/office/drawing/2010/main" val="0"/>
@@ -6459,7 +6415,7 @@
           </a:ln>
           <a:extLst>
             <a:ext uri="{C572A759-6A51-4108-AA02-DFA0A04FC94B}">
-              <ma14:wrappingTextBoxFlag xmlns="" xmlns:m="http://schemas.openxmlformats.org/officeDocument/2006/math" xmlns:a14="http://schemas.microsoft.com/office/drawing/2010/main" xmlns:ma14="http://schemas.microsoft.com/office/mac/drawingml/2011/main" val="1"/>
+              <ma14:wrappingTextBoxFlag xmlns:ma14="http://schemas.microsoft.com/office/mac/drawingml/2011/main" xmlns:a14="http://schemas.microsoft.com/office/drawing/2010/main" xmlns:m="http://schemas.openxmlformats.org/officeDocument/2006/math" xmlns="" val="1"/>
             </a:ext>
           </a:extLst>
         </p:spPr>
@@ -6610,7 +6566,7 @@
           <p:nvPr/>
         </p:nvPicPr>
         <p:blipFill>
-          <a:blip r:embed="rId14">
+          <a:blip r:embed="rId10">
             <a:extLst>
               <a:ext uri="{28A0092B-C50C-407E-A947-70E740481C1C}">
                 <a14:useLocalDpi xmlns:a14="http://schemas.microsoft.com/office/drawing/2010/main" val="0"/>
@@ -7010,7 +6966,7 @@
           </a:ln>
           <a:extLst>
             <a:ext uri="{C572A759-6A51-4108-AA02-DFA0A04FC94B}">
-              <ma14:wrappingTextBoxFlag xmlns="" xmlns:m="http://schemas.openxmlformats.org/officeDocument/2006/math" xmlns:a14="http://schemas.microsoft.com/office/drawing/2010/main" xmlns:ma14="http://schemas.microsoft.com/office/mac/drawingml/2011/main" val="1"/>
+              <ma14:wrappingTextBoxFlag xmlns:ma14="http://schemas.microsoft.com/office/mac/drawingml/2011/main" xmlns:a14="http://schemas.microsoft.com/office/drawing/2010/main" xmlns:m="http://schemas.openxmlformats.org/officeDocument/2006/math" xmlns="" val="1"/>
             </a:ext>
           </a:extLst>
         </p:spPr>
@@ -7082,54 +7038,6 @@
       </p:sp>
       <p:pic>
         <p:nvPicPr>
-          <p:cNvPr id="72" name="Picture 40" descr="Medium's New Logo (2020)— Unfinished Ellipses Logomark | by Medium  Formatting | Blogging Guide | Medium">
-            <a:hlinkClick r:id="rId15"/>
-            <a:extLst>
-              <a:ext uri="{FF2B5EF4-FFF2-40B4-BE49-F238E27FC236}">
-                <a16:creationId xmlns:a16="http://schemas.microsoft.com/office/drawing/2014/main" id="{D77FDE96-DF43-9C50-FDAE-E09C1ED3827B}"/>
-              </a:ext>
-            </a:extLst>
-          </p:cNvPr>
-          <p:cNvPicPr>
-            <a:picLocks noChangeAspect="1" noChangeArrowheads="1"/>
-          </p:cNvPicPr>
-          <p:nvPr/>
-        </p:nvPicPr>
-        <p:blipFill>
-          <a:blip r:embed="rId16">
-            <a:extLst>
-              <a:ext uri="{28A0092B-C50C-407E-A947-70E740481C1C}">
-                <a14:useLocalDpi xmlns:a14="http://schemas.microsoft.com/office/drawing/2010/main" val="0"/>
-              </a:ext>
-            </a:extLst>
-          </a:blip>
-          <a:srcRect/>
-          <a:stretch>
-            <a:fillRect/>
-          </a:stretch>
-        </p:blipFill>
-        <p:spPr bwMode="auto">
-          <a:xfrm>
-            <a:off x="9830916" y="10582707"/>
-            <a:ext cx="167226" cy="167226"/>
-          </a:xfrm>
-          <a:prstGeom prst="rect">
-            <a:avLst/>
-          </a:prstGeom>
-          <a:noFill/>
-          <a:extLst>
-            <a:ext uri="{909E8E84-426E-40DD-AFC4-6F175D3DCCD1}">
-              <a14:hiddenFill xmlns:a14="http://schemas.microsoft.com/office/drawing/2010/main">
-                <a:solidFill>
-                  <a:srgbClr val="FFFFFF"/>
-                </a:solidFill>
-              </a14:hiddenFill>
-            </a:ext>
-          </a:extLst>
-        </p:spPr>
-      </p:pic>
-      <p:pic>
-        <p:nvPicPr>
           <p:cNvPr id="80" name="Image 79">
             <a:extLst>
               <a:ext uri="{FF2B5EF4-FFF2-40B4-BE49-F238E27FC236}">
@@ -7143,7 +7051,7 @@
           <p:nvPr/>
         </p:nvPicPr>
         <p:blipFill>
-          <a:blip r:embed="rId17">
+          <a:blip r:embed="rId11">
             <a:extLst>
               <a:ext uri="{28A0092B-C50C-407E-A947-70E740481C1C}">
                 <a14:useLocalDpi xmlns:a14="http://schemas.microsoft.com/office/drawing/2010/main" val="0"/>
@@ -8256,7 +8164,7 @@
           </a:ln>
           <a:extLst>
             <a:ext uri="{C572A759-6A51-4108-AA02-DFA0A04FC94B}">
-              <ma14:wrappingTextBoxFlag xmlns="" xmlns:m="http://schemas.openxmlformats.org/officeDocument/2006/math" xmlns:a14="http://schemas.microsoft.com/office/drawing/2010/main" xmlns:ma14="http://schemas.microsoft.com/office/mac/drawingml/2011/main" val="1"/>
+              <ma14:wrappingTextBoxFlag xmlns:ma14="http://schemas.microsoft.com/office/mac/drawingml/2011/main" xmlns:a14="http://schemas.microsoft.com/office/drawing/2010/main" xmlns:m="http://schemas.openxmlformats.org/officeDocument/2006/math" xmlns="" val="1"/>
             </a:ext>
           </a:extLst>
         </p:spPr>
@@ -8279,54 +8187,6 @@
                 </a:solidFill>
               </a:defRPr>
             </a:pPr>
-            <a:r>
-              <a:rPr lang="fr-FR" b="1" dirty="0"/>
-              <a:t>Ashish Patel </a:t>
-            </a:r>
-            <a:r>
-              <a:rPr lang="fr-FR" dirty="0"/>
-              <a:t>•  Principal Research  Scientist  • ashishpatel.ce.2011@gmail.com                             </a:t>
-            </a:r>
-            <a:r>
-              <a:rPr lang="fr-FR" b="1" dirty="0"/>
-              <a:t>Abonia Sojasingarayar</a:t>
-            </a:r>
-            <a:r>
-              <a:rPr b="1" dirty="0"/>
-              <a:t> </a:t>
-            </a:r>
-            <a:r>
-              <a:rPr dirty="0"/>
-              <a:t>• </a:t>
-            </a:r>
-            <a:r>
-              <a:rPr lang="fr-FR" dirty="0"/>
-              <a:t> Machine Learning  Scientist  • aboniaa@gmail.com</a:t>
-            </a:r>
-            <a:r>
-              <a:rPr dirty="0"/>
-              <a:t>  </a:t>
-            </a:r>
-            <a:r>
-              <a:rPr lang="fr-FR" dirty="0"/>
-              <a:t>         </a:t>
-            </a:r>
-            <a:r>
-              <a:rPr i="1" dirty="0"/>
-              <a:t>Updated:  202</a:t>
-            </a:r>
-            <a:r>
-              <a:rPr lang="fr-FR" i="1" dirty="0"/>
-              <a:t>3</a:t>
-            </a:r>
-            <a:r>
-              <a:rPr i="1" dirty="0"/>
-              <a:t>-0</a:t>
-            </a:r>
-            <a:r>
-              <a:rPr lang="fr-FR" i="1" dirty="0"/>
-              <a:t>2</a:t>
-            </a:r>
             <a:endParaRPr i="1" dirty="0"/>
           </a:p>
         </p:txBody>
@@ -8443,7 +8303,7 @@
           </a:ln>
           <a:extLst>
             <a:ext uri="{C572A759-6A51-4108-AA02-DFA0A04FC94B}">
-              <ma14:wrappingTextBoxFlag xmlns="" xmlns:m="http://schemas.openxmlformats.org/officeDocument/2006/math" xmlns:a14="http://schemas.microsoft.com/office/drawing/2010/main" xmlns:ma14="http://schemas.microsoft.com/office/mac/drawingml/2011/main" val="1"/>
+              <ma14:wrappingTextBoxFlag xmlns:ma14="http://schemas.microsoft.com/office/mac/drawingml/2011/main" xmlns:a14="http://schemas.microsoft.com/office/drawing/2010/main" xmlns:m="http://schemas.openxmlformats.org/officeDocument/2006/math" xmlns="" val="1"/>
             </a:ext>
           </a:extLst>
         </p:spPr>
@@ -8546,198 +8406,6 @@
           </a:p>
         </p:txBody>
       </p:sp>
-      <p:pic>
-        <p:nvPicPr>
-          <p:cNvPr id="1034" name="Picture 10" descr="Free Linkedin Logo SVG, PNG Icon, Symbol. Download Image.">
-            <a:hlinkClick r:id="rId5"/>
-            <a:extLst>
-              <a:ext uri="{FF2B5EF4-FFF2-40B4-BE49-F238E27FC236}">
-                <a16:creationId xmlns:a16="http://schemas.microsoft.com/office/drawing/2014/main" id="{BCF8C968-BCE9-8D04-E7B8-19299B476D53}"/>
-              </a:ext>
-            </a:extLst>
-          </p:cNvPr>
-          <p:cNvPicPr>
-            <a:picLocks noChangeAspect="1" noChangeArrowheads="1"/>
-          </p:cNvPicPr>
-          <p:nvPr/>
-        </p:nvPicPr>
-        <p:blipFill>
-          <a:blip r:embed="rId6">
-            <a:extLst>
-              <a:ext uri="{28A0092B-C50C-407E-A947-70E740481C1C}">
-                <a14:useLocalDpi xmlns:a14="http://schemas.microsoft.com/office/drawing/2010/main" val="0"/>
-              </a:ext>
-            </a:extLst>
-          </a:blip>
-          <a:srcRect/>
-          <a:stretch>
-            <a:fillRect/>
-          </a:stretch>
-        </p:blipFill>
-        <p:spPr bwMode="auto">
-          <a:xfrm>
-            <a:off x="4446701" y="10563556"/>
-            <a:ext cx="183817" cy="183817"/>
-          </a:xfrm>
-          <a:prstGeom prst="rect">
-            <a:avLst/>
-          </a:prstGeom>
-          <a:noFill/>
-          <a:extLst>
-            <a:ext uri="{909E8E84-426E-40DD-AFC4-6F175D3DCCD1}">
-              <a14:hiddenFill xmlns:a14="http://schemas.microsoft.com/office/drawing/2010/main">
-                <a:solidFill>
-                  <a:srgbClr val="FFFFFF"/>
-                </a:solidFill>
-              </a14:hiddenFill>
-            </a:ext>
-          </a:extLst>
-        </p:spPr>
-      </p:pic>
-      <p:pic>
-        <p:nvPicPr>
-          <p:cNvPr id="1036" name="Picture 12" descr="GitHub Logos and Usage · GitHub">
-            <a:hlinkClick r:id="rId7"/>
-            <a:extLst>
-              <a:ext uri="{FF2B5EF4-FFF2-40B4-BE49-F238E27FC236}">
-                <a16:creationId xmlns:a16="http://schemas.microsoft.com/office/drawing/2014/main" id="{97C0FB8A-47C5-3CEB-7308-5BB941363C80}"/>
-              </a:ext>
-            </a:extLst>
-          </p:cNvPr>
-          <p:cNvPicPr>
-            <a:picLocks noChangeAspect="1" noChangeArrowheads="1"/>
-          </p:cNvPicPr>
-          <p:nvPr/>
-        </p:nvPicPr>
-        <p:blipFill>
-          <a:blip r:embed="rId8">
-            <a:extLst>
-              <a:ext uri="{28A0092B-C50C-407E-A947-70E740481C1C}">
-                <a14:useLocalDpi xmlns:a14="http://schemas.microsoft.com/office/drawing/2010/main" val="0"/>
-              </a:ext>
-            </a:extLst>
-          </a:blip>
-          <a:srcRect/>
-          <a:stretch>
-            <a:fillRect/>
-          </a:stretch>
-        </p:blipFill>
-        <p:spPr bwMode="auto">
-          <a:xfrm>
-            <a:off x="4854437" y="10535061"/>
-            <a:ext cx="220358" cy="220358"/>
-          </a:xfrm>
-          <a:prstGeom prst="rect">
-            <a:avLst/>
-          </a:prstGeom>
-          <a:noFill/>
-          <a:extLst>
-            <a:ext uri="{909E8E84-426E-40DD-AFC4-6F175D3DCCD1}">
-              <a14:hiddenFill xmlns:a14="http://schemas.microsoft.com/office/drawing/2010/main">
-                <a:solidFill>
-                  <a:srgbClr val="FFFFFF"/>
-                </a:solidFill>
-              </a14:hiddenFill>
-            </a:ext>
-          </a:extLst>
-        </p:spPr>
-      </p:pic>
-      <p:pic>
-        <p:nvPicPr>
-          <p:cNvPr id="23" name="Picture 12" descr="GitHub Logos and Usage · GitHub">
-            <a:hlinkClick r:id="rId9"/>
-            <a:extLst>
-              <a:ext uri="{FF2B5EF4-FFF2-40B4-BE49-F238E27FC236}">
-                <a16:creationId xmlns:a16="http://schemas.microsoft.com/office/drawing/2014/main" id="{2D835262-6B90-114D-4749-100D545C20BB}"/>
-              </a:ext>
-            </a:extLst>
-          </p:cNvPr>
-          <p:cNvPicPr>
-            <a:picLocks noChangeAspect="1" noChangeArrowheads="1"/>
-          </p:cNvPicPr>
-          <p:nvPr/>
-        </p:nvPicPr>
-        <p:blipFill>
-          <a:blip r:embed="rId8">
-            <a:extLst>
-              <a:ext uri="{28A0092B-C50C-407E-A947-70E740481C1C}">
-                <a14:useLocalDpi xmlns:a14="http://schemas.microsoft.com/office/drawing/2010/main" val="0"/>
-              </a:ext>
-            </a:extLst>
-          </a:blip>
-          <a:srcRect/>
-          <a:stretch>
-            <a:fillRect/>
-          </a:stretch>
-        </p:blipFill>
-        <p:spPr bwMode="auto">
-          <a:xfrm>
-            <a:off x="9311646" y="10554467"/>
-            <a:ext cx="220358" cy="220358"/>
-          </a:xfrm>
-          <a:prstGeom prst="rect">
-            <a:avLst/>
-          </a:prstGeom>
-          <a:noFill/>
-          <a:extLst>
-            <a:ext uri="{909E8E84-426E-40DD-AFC4-6F175D3DCCD1}">
-              <a14:hiddenFill xmlns:a14="http://schemas.microsoft.com/office/drawing/2010/main">
-                <a:solidFill>
-                  <a:srgbClr val="FFFFFF"/>
-                </a:solidFill>
-              </a14:hiddenFill>
-            </a:ext>
-          </a:extLst>
-        </p:spPr>
-      </p:pic>
-      <p:pic>
-        <p:nvPicPr>
-          <p:cNvPr id="24" name="Picture 10" descr="Free Linkedin Logo SVG, PNG Icon, Symbol. Download Image.">
-            <a:hlinkClick r:id="rId10"/>
-            <a:extLst>
-              <a:ext uri="{FF2B5EF4-FFF2-40B4-BE49-F238E27FC236}">
-                <a16:creationId xmlns:a16="http://schemas.microsoft.com/office/drawing/2014/main" id="{B93AAFCF-1F74-4D29-500C-1BBCA1E23B66}"/>
-              </a:ext>
-            </a:extLst>
-          </p:cNvPr>
-          <p:cNvPicPr>
-            <a:picLocks noChangeAspect="1" noChangeArrowheads="1"/>
-          </p:cNvPicPr>
-          <p:nvPr/>
-        </p:nvPicPr>
-        <p:blipFill>
-          <a:blip r:embed="rId6">
-            <a:extLst>
-              <a:ext uri="{28A0092B-C50C-407E-A947-70E740481C1C}">
-                <a14:useLocalDpi xmlns:a14="http://schemas.microsoft.com/office/drawing/2010/main" val="0"/>
-              </a:ext>
-            </a:extLst>
-          </a:blip>
-          <a:srcRect/>
-          <a:stretch>
-            <a:fillRect/>
-          </a:stretch>
-        </p:blipFill>
-        <p:spPr bwMode="auto">
-          <a:xfrm>
-            <a:off x="8790602" y="10571498"/>
-            <a:ext cx="183817" cy="183817"/>
-          </a:xfrm>
-          <a:prstGeom prst="rect">
-            <a:avLst/>
-          </a:prstGeom>
-          <a:noFill/>
-          <a:extLst>
-            <a:ext uri="{909E8E84-426E-40DD-AFC4-6F175D3DCCD1}">
-              <a14:hiddenFill xmlns:a14="http://schemas.microsoft.com/office/drawing/2010/main">
-                <a:solidFill>
-                  <a:srgbClr val="FFFFFF"/>
-                </a:solidFill>
-              </a14:hiddenFill>
-            </a:ext>
-          </a:extLst>
-        </p:spPr>
-      </p:pic>
       <p:sp>
         <p:nvSpPr>
           <p:cNvPr id="30" name="Line">
@@ -8833,7 +8501,7 @@
           </a:ln>
           <a:extLst>
             <a:ext uri="{C572A759-6A51-4108-AA02-DFA0A04FC94B}">
-              <ma14:wrappingTextBoxFlag xmlns="" xmlns:m="http://schemas.openxmlformats.org/officeDocument/2006/math" xmlns:a14="http://schemas.microsoft.com/office/drawing/2010/main" xmlns:ma14="http://schemas.microsoft.com/office/mac/drawingml/2011/main" val="1"/>
+              <ma14:wrappingTextBoxFlag xmlns:ma14="http://schemas.microsoft.com/office/mac/drawingml/2011/main" xmlns:a14="http://schemas.microsoft.com/office/drawing/2010/main" xmlns:m="http://schemas.openxmlformats.org/officeDocument/2006/math" xmlns="" val="1"/>
             </a:ext>
           </a:extLst>
         </p:spPr>
@@ -9123,7 +8791,7 @@
           <p:nvPr/>
         </p:nvPicPr>
         <p:blipFill>
-          <a:blip r:embed="rId11">
+          <a:blip r:embed="rId5">
             <a:extLst>
               <a:ext uri="{28A0092B-C50C-407E-A947-70E740481C1C}">
                 <a14:useLocalDpi xmlns:a14="http://schemas.microsoft.com/office/drawing/2010/main" val="0"/>
@@ -9205,7 +8873,7 @@
           <p:nvPr/>
         </p:nvPicPr>
         <p:blipFill>
-          <a:blip r:embed="rId12">
+          <a:blip r:embed="rId6">
             <a:extLst>
               <a:ext uri="{28A0092B-C50C-407E-A947-70E740481C1C}">
                 <a14:useLocalDpi xmlns:a14="http://schemas.microsoft.com/office/drawing/2010/main" val="0"/>
@@ -9252,7 +8920,7 @@
           <p:nvPr/>
         </p:nvPicPr>
         <p:blipFill>
-          <a:blip r:embed="rId13">
+          <a:blip r:embed="rId7">
             <a:extLst>
               <a:ext uri="{28A0092B-C50C-407E-A947-70E740481C1C}">
                 <a14:useLocalDpi xmlns:a14="http://schemas.microsoft.com/office/drawing/2010/main" val="0"/>
@@ -9299,7 +8967,7 @@
           <p:nvPr/>
         </p:nvPicPr>
         <p:blipFill>
-          <a:blip r:embed="rId14">
+          <a:blip r:embed="rId8">
             <a:extLst>
               <a:ext uri="{28A0092B-C50C-407E-A947-70E740481C1C}">
                 <a14:useLocalDpi xmlns:a14="http://schemas.microsoft.com/office/drawing/2010/main" val="0"/>
@@ -9346,7 +9014,7 @@
           <p:nvPr/>
         </p:nvPicPr>
         <p:blipFill>
-          <a:blip r:embed="rId15">
+          <a:blip r:embed="rId9">
             <a:extLst>
               <a:ext uri="{28A0092B-C50C-407E-A947-70E740481C1C}">
                 <a14:useLocalDpi xmlns:a14="http://schemas.microsoft.com/office/drawing/2010/main" val="0"/>
@@ -9525,7 +9193,7 @@
           </a:ln>
           <a:extLst>
             <a:ext uri="{C572A759-6A51-4108-AA02-DFA0A04FC94B}">
-              <ma14:wrappingTextBoxFlag xmlns="" xmlns:m="http://schemas.openxmlformats.org/officeDocument/2006/math" xmlns:a14="http://schemas.microsoft.com/office/drawing/2010/main" xmlns:ma14="http://schemas.microsoft.com/office/mac/drawingml/2011/main" val="1"/>
+              <ma14:wrappingTextBoxFlag xmlns:ma14="http://schemas.microsoft.com/office/mac/drawingml/2011/main" xmlns:a14="http://schemas.microsoft.com/office/drawing/2010/main" xmlns:m="http://schemas.openxmlformats.org/officeDocument/2006/math" xmlns="" val="1"/>
             </a:ext>
           </a:extLst>
         </p:spPr>
@@ -9584,7 +9252,7 @@
           <p:nvPr/>
         </p:nvPicPr>
         <p:blipFill>
-          <a:blip r:embed="rId16">
+          <a:blip r:embed="rId10">
             <a:extLst>
               <a:ext uri="{28A0092B-C50C-407E-A947-70E740481C1C}">
                 <a14:useLocalDpi xmlns:a14="http://schemas.microsoft.com/office/drawing/2010/main" val="0"/>
@@ -9641,7 +9309,7 @@
           </a:ln>
           <a:extLst>
             <a:ext uri="{C572A759-6A51-4108-AA02-DFA0A04FC94B}">
-              <ma14:wrappingTextBoxFlag xmlns="" xmlns:m="http://schemas.openxmlformats.org/officeDocument/2006/math" xmlns:a14="http://schemas.microsoft.com/office/drawing/2010/main" xmlns:ma14="http://schemas.microsoft.com/office/mac/drawingml/2011/main" val="1"/>
+              <ma14:wrappingTextBoxFlag xmlns:ma14="http://schemas.microsoft.com/office/mac/drawingml/2011/main" xmlns:a14="http://schemas.microsoft.com/office/drawing/2010/main" xmlns:m="http://schemas.openxmlformats.org/officeDocument/2006/math" xmlns="" val="1"/>
             </a:ext>
           </a:extLst>
         </p:spPr>
@@ -10043,7 +9711,7 @@
           </a:ln>
           <a:extLst>
             <a:ext uri="{C572A759-6A51-4108-AA02-DFA0A04FC94B}">
-              <ma14:wrappingTextBoxFlag xmlns:ma14="http://schemas.microsoft.com/office/mac/drawingml/2011/main" xmlns:a14="http://schemas.microsoft.com/office/drawing/2010/main" xmlns:m="http://schemas.openxmlformats.org/officeDocument/2006/math" xmlns="" val="1"/>
+              <ma14:wrappingTextBoxFlag xmlns="" xmlns:m="http://schemas.openxmlformats.org/officeDocument/2006/math" xmlns:a14="http://schemas.microsoft.com/office/drawing/2010/main" xmlns:ma14="http://schemas.microsoft.com/office/mac/drawingml/2011/main" val="1"/>
             </a:ext>
           </a:extLst>
         </p:spPr>
@@ -10203,7 +9871,7 @@
           </a:ln>
           <a:extLst>
             <a:ext uri="{C572A759-6A51-4108-AA02-DFA0A04FC94B}">
-              <ma14:wrappingTextBoxFlag xmlns:ma14="http://schemas.microsoft.com/office/mac/drawingml/2011/main" xmlns:a14="http://schemas.microsoft.com/office/drawing/2010/main" xmlns:m="http://schemas.openxmlformats.org/officeDocument/2006/math" xmlns="" val="1"/>
+              <ma14:wrappingTextBoxFlag xmlns="" xmlns:m="http://schemas.openxmlformats.org/officeDocument/2006/math" xmlns:a14="http://schemas.microsoft.com/office/drawing/2010/main" xmlns:ma14="http://schemas.microsoft.com/office/mac/drawingml/2011/main" val="1"/>
             </a:ext>
           </a:extLst>
         </p:spPr>
@@ -10270,7 +9938,7 @@
           </a:ln>
           <a:extLst>
             <a:ext uri="{C572A759-6A51-4108-AA02-DFA0A04FC94B}">
-              <ma14:wrappingTextBoxFlag xmlns:ma14="http://schemas.microsoft.com/office/mac/drawingml/2011/main" xmlns:a14="http://schemas.microsoft.com/office/drawing/2010/main" xmlns:m="http://schemas.openxmlformats.org/officeDocument/2006/math" xmlns="" val="1"/>
+              <ma14:wrappingTextBoxFlag xmlns="" xmlns:m="http://schemas.openxmlformats.org/officeDocument/2006/math" xmlns:a14="http://schemas.microsoft.com/office/drawing/2010/main" xmlns:ma14="http://schemas.microsoft.com/office/mac/drawingml/2011/main" val="1"/>
             </a:ext>
           </a:extLst>
         </p:spPr>
@@ -10667,7 +10335,7 @@
           </a:ln>
           <a:extLst>
             <a:ext uri="{C572A759-6A51-4108-AA02-DFA0A04FC94B}">
-              <ma14:wrappingTextBoxFlag xmlns="" xmlns:m="http://schemas.openxmlformats.org/officeDocument/2006/math" xmlns:a14="http://schemas.microsoft.com/office/drawing/2010/main" xmlns:ma14="http://schemas.microsoft.com/office/mac/drawingml/2011/main" val="1"/>
+              <ma14:wrappingTextBoxFlag xmlns:ma14="http://schemas.microsoft.com/office/mac/drawingml/2011/main" xmlns:a14="http://schemas.microsoft.com/office/drawing/2010/main" xmlns:m="http://schemas.openxmlformats.org/officeDocument/2006/math" xmlns="" val="1"/>
             </a:ext>
           </a:extLst>
         </p:spPr>
@@ -10805,54 +10473,6 @@
           </a:p>
         </p:txBody>
       </p:sp>
-      <p:pic>
-        <p:nvPicPr>
-          <p:cNvPr id="29" name="Picture 40" descr="Medium's New Logo (2020)— Unfinished Ellipses Logomark | by Medium  Formatting | Blogging Guide | Medium">
-            <a:hlinkClick r:id="rId17"/>
-            <a:extLst>
-              <a:ext uri="{FF2B5EF4-FFF2-40B4-BE49-F238E27FC236}">
-                <a16:creationId xmlns:a16="http://schemas.microsoft.com/office/drawing/2014/main" id="{09C6AB13-1E84-5776-7CB6-41B1AE2D299C}"/>
-              </a:ext>
-            </a:extLst>
-          </p:cNvPr>
-          <p:cNvPicPr>
-            <a:picLocks noChangeAspect="1" noChangeArrowheads="1"/>
-          </p:cNvPicPr>
-          <p:nvPr/>
-        </p:nvPicPr>
-        <p:blipFill>
-          <a:blip r:embed="rId18">
-            <a:extLst>
-              <a:ext uri="{28A0092B-C50C-407E-A947-70E740481C1C}">
-                <a14:useLocalDpi xmlns:a14="http://schemas.microsoft.com/office/drawing/2010/main" val="0"/>
-              </a:ext>
-            </a:extLst>
-          </a:blip>
-          <a:srcRect/>
-          <a:stretch>
-            <a:fillRect/>
-          </a:stretch>
-        </p:blipFill>
-        <p:spPr bwMode="auto">
-          <a:xfrm>
-            <a:off x="9766773" y="10580147"/>
-            <a:ext cx="167226" cy="167226"/>
-          </a:xfrm>
-          <a:prstGeom prst="rect">
-            <a:avLst/>
-          </a:prstGeom>
-          <a:noFill/>
-          <a:extLst>
-            <a:ext uri="{909E8E84-426E-40DD-AFC4-6F175D3DCCD1}">
-              <a14:hiddenFill xmlns:a14="http://schemas.microsoft.com/office/drawing/2010/main">
-                <a:solidFill>
-                  <a:srgbClr val="FFFFFF"/>
-                </a:solidFill>
-              </a14:hiddenFill>
-            </a:ext>
-          </a:extLst>
-        </p:spPr>
-      </p:pic>
       <p:sp>
         <p:nvSpPr>
           <p:cNvPr id="32" name="ZoneTexte 31">
@@ -11151,7 +10771,7 @@
           <p:nvPr/>
         </p:nvPicPr>
         <p:blipFill>
-          <a:blip r:embed="rId19">
+          <a:blip r:embed="rId11">
             <a:extLst>
               <a:ext uri="{28A0092B-C50C-407E-A947-70E740481C1C}">
                 <a14:useLocalDpi xmlns:a14="http://schemas.microsoft.com/office/drawing/2010/main" val="0"/>
@@ -11198,7 +10818,7 @@
           <p:nvPr/>
         </p:nvPicPr>
         <p:blipFill>
-          <a:blip r:embed="rId20">
+          <a:blip r:embed="rId12">
             <a:extLst>
               <a:ext uri="{28A0092B-C50C-407E-A947-70E740481C1C}">
                 <a14:useLocalDpi xmlns:a14="http://schemas.microsoft.com/office/drawing/2010/main" val="0"/>
@@ -11245,7 +10865,7 @@
           <p:nvPr/>
         </p:nvPicPr>
         <p:blipFill>
-          <a:blip r:embed="rId20">
+          <a:blip r:embed="rId12">
             <a:extLst>
               <a:ext uri="{28A0092B-C50C-407E-A947-70E740481C1C}">
                 <a14:useLocalDpi xmlns:a14="http://schemas.microsoft.com/office/drawing/2010/main" val="0"/>
@@ -11279,53 +10899,6 @@
       </p:pic>
       <p:pic>
         <p:nvPicPr>
-          <p:cNvPr id="10" name="Picture 12" descr="Hugging Face - Current Openings">
-            <a:extLst>
-              <a:ext uri="{FF2B5EF4-FFF2-40B4-BE49-F238E27FC236}">
-                <a16:creationId xmlns:a16="http://schemas.microsoft.com/office/drawing/2014/main" id="{004551C8-F89C-27D9-72C1-C5CE97811783}"/>
-              </a:ext>
-            </a:extLst>
-          </p:cNvPr>
-          <p:cNvPicPr>
-            <a:picLocks noChangeAspect="1" noChangeArrowheads="1"/>
-          </p:cNvPicPr>
-          <p:nvPr/>
-        </p:nvPicPr>
-        <p:blipFill>
-          <a:blip r:embed="rId21">
-            <a:extLst>
-              <a:ext uri="{28A0092B-C50C-407E-A947-70E740481C1C}">
-                <a14:useLocalDpi xmlns:a14="http://schemas.microsoft.com/office/drawing/2010/main" val="0"/>
-              </a:ext>
-            </a:extLst>
-          </a:blip>
-          <a:srcRect/>
-          <a:stretch>
-            <a:fillRect/>
-          </a:stretch>
-        </p:blipFill>
-        <p:spPr bwMode="auto">
-          <a:xfrm>
-            <a:off x="9548165" y="9674242"/>
-            <a:ext cx="582176" cy="582176"/>
-          </a:xfrm>
-          <a:prstGeom prst="rect">
-            <a:avLst/>
-          </a:prstGeom>
-          <a:noFill/>
-          <a:extLst>
-            <a:ext uri="{909E8E84-426E-40DD-AFC4-6F175D3DCCD1}">
-              <a14:hiddenFill xmlns:a14="http://schemas.microsoft.com/office/drawing/2010/main">
-                <a:solidFill>
-                  <a:srgbClr val="FFFFFF"/>
-                </a:solidFill>
-              </a14:hiddenFill>
-            </a:ext>
-          </a:extLst>
-        </p:spPr>
-      </p:pic>
-      <p:pic>
-        <p:nvPicPr>
           <p:cNvPr id="1038" name="Picture 14">
             <a:extLst>
               <a:ext uri="{FF2B5EF4-FFF2-40B4-BE49-F238E27FC236}">
@@ -11339,7 +10912,7 @@
           <p:nvPr/>
         </p:nvPicPr>
         <p:blipFill>
-          <a:blip r:embed="rId22">
+          <a:blip r:embed="rId13">
             <a:extLst>
               <a:ext uri="{28A0092B-C50C-407E-A947-70E740481C1C}">
                 <a14:useLocalDpi xmlns:a14="http://schemas.microsoft.com/office/drawing/2010/main" val="0"/>
@@ -11386,7 +10959,7 @@
           <p:nvPr/>
         </p:nvPicPr>
         <p:blipFill>
-          <a:blip r:embed="rId23">
+          <a:blip r:embed="rId14">
             <a:extLst>
               <a:ext uri="{28A0092B-C50C-407E-A947-70E740481C1C}">
                 <a14:useLocalDpi xmlns:a14="http://schemas.microsoft.com/office/drawing/2010/main" val="0"/>
@@ -12362,7 +11935,7 @@
           </a:ln>
           <a:extLst>
             <a:ext uri="{C572A759-6A51-4108-AA02-DFA0A04FC94B}">
-              <ma14:wrappingTextBoxFlag xmlns="" xmlns:m="http://schemas.openxmlformats.org/officeDocument/2006/math" xmlns:a14="http://schemas.microsoft.com/office/drawing/2010/main" xmlns:ma14="http://schemas.microsoft.com/office/mac/drawingml/2011/main" val="1"/>
+              <ma14:wrappingTextBoxFlag xmlns:ma14="http://schemas.microsoft.com/office/mac/drawingml/2011/main" xmlns:a14="http://schemas.microsoft.com/office/drawing/2010/main" xmlns:m="http://schemas.openxmlformats.org/officeDocument/2006/math" xmlns="" val="1"/>
             </a:ext>
           </a:extLst>
         </p:spPr>
@@ -12385,54 +11958,6 @@
                 </a:solidFill>
               </a:defRPr>
             </a:pPr>
-            <a:r>
-              <a:rPr lang="fr-FR" b="1" dirty="0"/>
-              <a:t>Ashish Patel </a:t>
-            </a:r>
-            <a:r>
-              <a:rPr lang="fr-FR" dirty="0"/>
-              <a:t>•  Principal Research  Scientist  • ashishpatel.ce.2011@gmail.com                             </a:t>
-            </a:r>
-            <a:r>
-              <a:rPr lang="fr-FR" b="1" dirty="0"/>
-              <a:t>Abonia Sojasingarayar</a:t>
-            </a:r>
-            <a:r>
-              <a:rPr b="1" dirty="0"/>
-              <a:t> </a:t>
-            </a:r>
-            <a:r>
-              <a:rPr dirty="0"/>
-              <a:t>• </a:t>
-            </a:r>
-            <a:r>
-              <a:rPr lang="fr-FR" dirty="0"/>
-              <a:t> Machine Learning  Scientist  • aboniaa@gmail.com</a:t>
-            </a:r>
-            <a:r>
-              <a:rPr dirty="0"/>
-              <a:t>  </a:t>
-            </a:r>
-            <a:r>
-              <a:rPr lang="fr-FR" dirty="0"/>
-              <a:t>         </a:t>
-            </a:r>
-            <a:r>
-              <a:rPr i="1" dirty="0"/>
-              <a:t>Updated:  202</a:t>
-            </a:r>
-            <a:r>
-              <a:rPr lang="fr-FR" i="1" dirty="0"/>
-              <a:t>3</a:t>
-            </a:r>
-            <a:r>
-              <a:rPr i="1" dirty="0"/>
-              <a:t>-0</a:t>
-            </a:r>
-            <a:r>
-              <a:rPr lang="fr-FR" i="1" dirty="0"/>
-              <a:t>2</a:t>
-            </a:r>
             <a:endParaRPr i="1" dirty="0"/>
           </a:p>
         </p:txBody>
@@ -12535,198 +12060,6 @@
           </a:p>
         </p:txBody>
       </p:sp>
-      <p:pic>
-        <p:nvPicPr>
-          <p:cNvPr id="1034" name="Picture 10" descr="Free Linkedin Logo SVG, PNG Icon, Symbol. Download Image.">
-            <a:hlinkClick r:id="rId3"/>
-            <a:extLst>
-              <a:ext uri="{FF2B5EF4-FFF2-40B4-BE49-F238E27FC236}">
-                <a16:creationId xmlns:a16="http://schemas.microsoft.com/office/drawing/2014/main" id="{BCF8C968-BCE9-8D04-E7B8-19299B476D53}"/>
-              </a:ext>
-            </a:extLst>
-          </p:cNvPr>
-          <p:cNvPicPr>
-            <a:picLocks noChangeAspect="1" noChangeArrowheads="1"/>
-          </p:cNvPicPr>
-          <p:nvPr/>
-        </p:nvPicPr>
-        <p:blipFill>
-          <a:blip r:embed="rId4">
-            <a:extLst>
-              <a:ext uri="{28A0092B-C50C-407E-A947-70E740481C1C}">
-                <a14:useLocalDpi xmlns:a14="http://schemas.microsoft.com/office/drawing/2010/main" val="0"/>
-              </a:ext>
-            </a:extLst>
-          </a:blip>
-          <a:srcRect/>
-          <a:stretch>
-            <a:fillRect/>
-          </a:stretch>
-        </p:blipFill>
-        <p:spPr bwMode="auto">
-          <a:xfrm>
-            <a:off x="4446701" y="10563556"/>
-            <a:ext cx="183817" cy="183817"/>
-          </a:xfrm>
-          <a:prstGeom prst="rect">
-            <a:avLst/>
-          </a:prstGeom>
-          <a:noFill/>
-          <a:extLst>
-            <a:ext uri="{909E8E84-426E-40DD-AFC4-6F175D3DCCD1}">
-              <a14:hiddenFill xmlns:a14="http://schemas.microsoft.com/office/drawing/2010/main">
-                <a:solidFill>
-                  <a:srgbClr val="FFFFFF"/>
-                </a:solidFill>
-              </a14:hiddenFill>
-            </a:ext>
-          </a:extLst>
-        </p:spPr>
-      </p:pic>
-      <p:pic>
-        <p:nvPicPr>
-          <p:cNvPr id="1036" name="Picture 12" descr="GitHub Logos and Usage · GitHub">
-            <a:hlinkClick r:id="rId5"/>
-            <a:extLst>
-              <a:ext uri="{FF2B5EF4-FFF2-40B4-BE49-F238E27FC236}">
-                <a16:creationId xmlns:a16="http://schemas.microsoft.com/office/drawing/2014/main" id="{97C0FB8A-47C5-3CEB-7308-5BB941363C80}"/>
-              </a:ext>
-            </a:extLst>
-          </p:cNvPr>
-          <p:cNvPicPr>
-            <a:picLocks noChangeAspect="1" noChangeArrowheads="1"/>
-          </p:cNvPicPr>
-          <p:nvPr/>
-        </p:nvPicPr>
-        <p:blipFill>
-          <a:blip r:embed="rId6">
-            <a:extLst>
-              <a:ext uri="{28A0092B-C50C-407E-A947-70E740481C1C}">
-                <a14:useLocalDpi xmlns:a14="http://schemas.microsoft.com/office/drawing/2010/main" val="0"/>
-              </a:ext>
-            </a:extLst>
-          </a:blip>
-          <a:srcRect/>
-          <a:stretch>
-            <a:fillRect/>
-          </a:stretch>
-        </p:blipFill>
-        <p:spPr bwMode="auto">
-          <a:xfrm>
-            <a:off x="4854437" y="10535061"/>
-            <a:ext cx="220358" cy="220358"/>
-          </a:xfrm>
-          <a:prstGeom prst="rect">
-            <a:avLst/>
-          </a:prstGeom>
-          <a:noFill/>
-          <a:extLst>
-            <a:ext uri="{909E8E84-426E-40DD-AFC4-6F175D3DCCD1}">
-              <a14:hiddenFill xmlns:a14="http://schemas.microsoft.com/office/drawing/2010/main">
-                <a:solidFill>
-                  <a:srgbClr val="FFFFFF"/>
-                </a:solidFill>
-              </a14:hiddenFill>
-            </a:ext>
-          </a:extLst>
-        </p:spPr>
-      </p:pic>
-      <p:pic>
-        <p:nvPicPr>
-          <p:cNvPr id="23" name="Picture 12" descr="GitHub Logos and Usage · GitHub">
-            <a:hlinkClick r:id="rId7"/>
-            <a:extLst>
-              <a:ext uri="{FF2B5EF4-FFF2-40B4-BE49-F238E27FC236}">
-                <a16:creationId xmlns:a16="http://schemas.microsoft.com/office/drawing/2014/main" id="{2D835262-6B90-114D-4749-100D545C20BB}"/>
-              </a:ext>
-            </a:extLst>
-          </p:cNvPr>
-          <p:cNvPicPr>
-            <a:picLocks noChangeAspect="1" noChangeArrowheads="1"/>
-          </p:cNvPicPr>
-          <p:nvPr/>
-        </p:nvPicPr>
-        <p:blipFill>
-          <a:blip r:embed="rId6">
-            <a:extLst>
-              <a:ext uri="{28A0092B-C50C-407E-A947-70E740481C1C}">
-                <a14:useLocalDpi xmlns:a14="http://schemas.microsoft.com/office/drawing/2010/main" val="0"/>
-              </a:ext>
-            </a:extLst>
-          </a:blip>
-          <a:srcRect/>
-          <a:stretch>
-            <a:fillRect/>
-          </a:stretch>
-        </p:blipFill>
-        <p:spPr bwMode="auto">
-          <a:xfrm>
-            <a:off x="9311646" y="10554467"/>
-            <a:ext cx="220358" cy="220358"/>
-          </a:xfrm>
-          <a:prstGeom prst="rect">
-            <a:avLst/>
-          </a:prstGeom>
-          <a:noFill/>
-          <a:extLst>
-            <a:ext uri="{909E8E84-426E-40DD-AFC4-6F175D3DCCD1}">
-              <a14:hiddenFill xmlns:a14="http://schemas.microsoft.com/office/drawing/2010/main">
-                <a:solidFill>
-                  <a:srgbClr val="FFFFFF"/>
-                </a:solidFill>
-              </a14:hiddenFill>
-            </a:ext>
-          </a:extLst>
-        </p:spPr>
-      </p:pic>
-      <p:pic>
-        <p:nvPicPr>
-          <p:cNvPr id="24" name="Picture 10" descr="Free Linkedin Logo SVG, PNG Icon, Symbol. Download Image.">
-            <a:hlinkClick r:id="rId8"/>
-            <a:extLst>
-              <a:ext uri="{FF2B5EF4-FFF2-40B4-BE49-F238E27FC236}">
-                <a16:creationId xmlns:a16="http://schemas.microsoft.com/office/drawing/2014/main" id="{B93AAFCF-1F74-4D29-500C-1BBCA1E23B66}"/>
-              </a:ext>
-            </a:extLst>
-          </p:cNvPr>
-          <p:cNvPicPr>
-            <a:picLocks noChangeAspect="1" noChangeArrowheads="1"/>
-          </p:cNvPicPr>
-          <p:nvPr/>
-        </p:nvPicPr>
-        <p:blipFill>
-          <a:blip r:embed="rId4">
-            <a:extLst>
-              <a:ext uri="{28A0092B-C50C-407E-A947-70E740481C1C}">
-                <a14:useLocalDpi xmlns:a14="http://schemas.microsoft.com/office/drawing/2010/main" val="0"/>
-              </a:ext>
-            </a:extLst>
-          </a:blip>
-          <a:srcRect/>
-          <a:stretch>
-            <a:fillRect/>
-          </a:stretch>
-        </p:blipFill>
-        <p:spPr bwMode="auto">
-          <a:xfrm>
-            <a:off x="8790602" y="10571498"/>
-            <a:ext cx="183817" cy="183817"/>
-          </a:xfrm>
-          <a:prstGeom prst="rect">
-            <a:avLst/>
-          </a:prstGeom>
-          <a:noFill/>
-          <a:extLst>
-            <a:ext uri="{909E8E84-426E-40DD-AFC4-6F175D3DCCD1}">
-              <a14:hiddenFill xmlns:a14="http://schemas.microsoft.com/office/drawing/2010/main">
-                <a:solidFill>
-                  <a:srgbClr val="FFFFFF"/>
-                </a:solidFill>
-              </a14:hiddenFill>
-            </a:ext>
-          </a:extLst>
-        </p:spPr>
-      </p:pic>
       <p:sp>
         <p:nvSpPr>
           <p:cNvPr id="56" name="Line">
@@ -12787,7 +12120,7 @@
           </a:ln>
           <a:extLst>
             <a:ext uri="{C572A759-6A51-4108-AA02-DFA0A04FC94B}">
-              <ma14:wrappingTextBoxFlag xmlns:ma14="http://schemas.microsoft.com/office/mac/drawingml/2011/main" xmlns:a14="http://schemas.microsoft.com/office/drawing/2010/main" xmlns:m="http://schemas.openxmlformats.org/officeDocument/2006/math" xmlns="" val="1"/>
+              <ma14:wrappingTextBoxFlag xmlns="" xmlns:m="http://schemas.openxmlformats.org/officeDocument/2006/math" xmlns:a14="http://schemas.microsoft.com/office/drawing/2010/main" xmlns:ma14="http://schemas.microsoft.com/office/mac/drawingml/2011/main" val="1"/>
             </a:ext>
           </a:extLst>
         </p:spPr>
@@ -12860,54 +12193,6 @@
       </p:sp>
       <p:pic>
         <p:nvPicPr>
-          <p:cNvPr id="29" name="Picture 40" descr="Medium's New Logo (2020)— Unfinished Ellipses Logomark | by Medium  Formatting | Blogging Guide | Medium">
-            <a:hlinkClick r:id="rId9"/>
-            <a:extLst>
-              <a:ext uri="{FF2B5EF4-FFF2-40B4-BE49-F238E27FC236}">
-                <a16:creationId xmlns:a16="http://schemas.microsoft.com/office/drawing/2014/main" id="{09C6AB13-1E84-5776-7CB6-41B1AE2D299C}"/>
-              </a:ext>
-            </a:extLst>
-          </p:cNvPr>
-          <p:cNvPicPr>
-            <a:picLocks noChangeAspect="1" noChangeArrowheads="1"/>
-          </p:cNvPicPr>
-          <p:nvPr/>
-        </p:nvPicPr>
-        <p:blipFill>
-          <a:blip r:embed="rId10">
-            <a:extLst>
-              <a:ext uri="{28A0092B-C50C-407E-A947-70E740481C1C}">
-                <a14:useLocalDpi xmlns:a14="http://schemas.microsoft.com/office/drawing/2010/main" val="0"/>
-              </a:ext>
-            </a:extLst>
-          </a:blip>
-          <a:srcRect/>
-          <a:stretch>
-            <a:fillRect/>
-          </a:stretch>
-        </p:blipFill>
-        <p:spPr bwMode="auto">
-          <a:xfrm>
-            <a:off x="9766773" y="10580147"/>
-            <a:ext cx="167226" cy="167226"/>
-          </a:xfrm>
-          <a:prstGeom prst="rect">
-            <a:avLst/>
-          </a:prstGeom>
-          <a:noFill/>
-          <a:extLst>
-            <a:ext uri="{909E8E84-426E-40DD-AFC4-6F175D3DCCD1}">
-              <a14:hiddenFill xmlns:a14="http://schemas.microsoft.com/office/drawing/2010/main">
-                <a:solidFill>
-                  <a:srgbClr val="FFFFFF"/>
-                </a:solidFill>
-              </a14:hiddenFill>
-            </a:ext>
-          </a:extLst>
-        </p:spPr>
-      </p:pic>
-      <p:pic>
-        <p:nvPicPr>
           <p:cNvPr id="2050" name="Picture 2" descr="neural networks - Why does transformer has such a complex architecture? -  Cross Validated">
             <a:extLst>
               <a:ext uri="{FF2B5EF4-FFF2-40B4-BE49-F238E27FC236}">
@@ -12921,7 +12206,7 @@
           <p:nvPr/>
         </p:nvPicPr>
         <p:blipFill>
-          <a:blip r:embed="rId11">
+          <a:blip r:embed="rId3">
             <a:extLst>
               <a:ext uri="{28A0092B-C50C-407E-A947-70E740481C1C}">
                 <a14:useLocalDpi xmlns:a14="http://schemas.microsoft.com/office/drawing/2010/main" val="0"/>
@@ -12968,7 +12253,7 @@
           <p:nvPr/>
         </p:nvPicPr>
         <p:blipFill>
-          <a:blip r:embed="rId12">
+          <a:blip r:embed="rId4">
             <a:extLst>
               <a:ext uri="{28A0092B-C50C-407E-A947-70E740481C1C}">
                 <a14:useLocalDpi xmlns:a14="http://schemas.microsoft.com/office/drawing/2010/main" val="0"/>
@@ -13025,7 +12310,7 @@
           </a:ln>
           <a:extLst>
             <a:ext uri="{C572A759-6A51-4108-AA02-DFA0A04FC94B}">
-              <ma14:wrappingTextBoxFlag xmlns:ma14="http://schemas.microsoft.com/office/mac/drawingml/2011/main" xmlns:a14="http://schemas.microsoft.com/office/drawing/2010/main" xmlns:m="http://schemas.openxmlformats.org/officeDocument/2006/math" xmlns="" val="1"/>
+              <ma14:wrappingTextBoxFlag xmlns="" xmlns:m="http://schemas.openxmlformats.org/officeDocument/2006/math" xmlns:a14="http://schemas.microsoft.com/office/drawing/2010/main" xmlns:ma14="http://schemas.microsoft.com/office/mac/drawingml/2011/main" val="1"/>
             </a:ext>
           </a:extLst>
         </p:spPr>
@@ -13111,7 +12396,7 @@
           <p:nvPr/>
         </p:nvPicPr>
         <p:blipFill>
-          <a:blip r:embed="rId13">
+          <a:blip r:embed="rId5">
             <a:extLst>
               <a:ext uri="{28A0092B-C50C-407E-A947-70E740481C1C}">
                 <a14:useLocalDpi xmlns:a14="http://schemas.microsoft.com/office/drawing/2010/main" val="0"/>
@@ -13168,7 +12453,7 @@
           </a:ln>
           <a:extLst>
             <a:ext uri="{C572A759-6A51-4108-AA02-DFA0A04FC94B}">
-              <ma14:wrappingTextBoxFlag xmlns:ma14="http://schemas.microsoft.com/office/mac/drawingml/2011/main" xmlns:a14="http://schemas.microsoft.com/office/drawing/2010/main" xmlns:m="http://schemas.openxmlformats.org/officeDocument/2006/math" xmlns="" val="1"/>
+              <ma14:wrappingTextBoxFlag xmlns="" xmlns:m="http://schemas.openxmlformats.org/officeDocument/2006/math" xmlns:a14="http://schemas.microsoft.com/office/drawing/2010/main" xmlns:ma14="http://schemas.microsoft.com/office/mac/drawingml/2011/main" val="1"/>
             </a:ext>
           </a:extLst>
         </p:spPr>
